--- a/doc/img/diagram.pptx
+++ b/doc/img/diagram.pptx
@@ -197,7 +197,7 @@
           <a:p>
             <a:fld id="{3643305F-3A43-FD4B-9534-CDDF7C037015}" type="datetimeFigureOut">
               <a:rPr lang="en-US" smtClean="0"/>
-              <a:t>12/16/20</a:t>
+              <a:t>6/16/21</a:t>
             </a:fld>
             <a:endParaRPr lang="en-US"/>
           </a:p>
@@ -2066,7 +2066,7 @@
                 </a:solidFill>
                 <a:latin typeface="Calibri"/>
               </a:rPr>
-              <a:t>12/16/20</a:t>
+              <a:t>6/16/21</a:t>
             </a:fld>
             <a:endParaRPr lang="en-US" sz="1200" b="0" strike="noStrike" spc="-1">
               <a:latin typeface="Times New Roman"/>
@@ -2477,7 +2477,7 @@
         </p:nvSpPr>
         <p:spPr>
           <a:xfrm>
-            <a:off x="8735820" y="2771902"/>
+            <a:off x="9860640" y="2771902"/>
             <a:ext cx="709920" cy="437400"/>
           </a:xfrm>
           <a:prstGeom prst="rightArrow">
@@ -2518,8 +2518,8 @@
         </p:nvSpPr>
         <p:spPr>
           <a:xfrm>
-            <a:off x="345989" y="2137719"/>
-            <a:ext cx="4831951" cy="2137719"/>
+            <a:off x="308226" y="2137719"/>
+            <a:ext cx="4438436" cy="1900025"/>
           </a:xfrm>
           <a:prstGeom prst="rect">
             <a:avLst/>
@@ -2577,7 +2577,7 @@
         </p:nvSpPr>
         <p:spPr>
           <a:xfrm>
-            <a:off x="6658320" y="2765520"/>
+            <a:off x="6182448" y="2756161"/>
             <a:ext cx="709920" cy="437400"/>
           </a:xfrm>
           <a:prstGeom prst="rightArrow">
@@ -2618,7 +2618,7 @@
         </p:nvSpPr>
         <p:spPr>
           <a:xfrm>
-            <a:off x="2242080" y="2765520"/>
+            <a:off x="2016048" y="2765520"/>
             <a:ext cx="709920" cy="437400"/>
           </a:xfrm>
           <a:prstGeom prst="rightArrow">
@@ -2659,7 +2659,7 @@
         </p:nvSpPr>
         <p:spPr>
           <a:xfrm>
-            <a:off x="4818600" y="2754360"/>
+            <a:off x="4342728" y="2745001"/>
             <a:ext cx="709920" cy="437400"/>
           </a:xfrm>
           <a:prstGeom prst="rightArrow">
@@ -2700,7 +2700,7 @@
         </p:nvSpPr>
         <p:spPr>
           <a:xfrm>
-            <a:off x="625320" y="2396880"/>
+            <a:off x="399288" y="2396880"/>
             <a:ext cx="1867320" cy="1143000"/>
           </a:xfrm>
           <a:prstGeom prst="rect">
@@ -2773,7 +2773,7 @@
         </p:nvSpPr>
         <p:spPr>
           <a:xfrm>
-            <a:off x="2970360" y="2396880"/>
+            <a:off x="2744328" y="2396880"/>
             <a:ext cx="1867320" cy="1143000"/>
           </a:xfrm>
           <a:prstGeom prst="rect">
@@ -2865,7 +2865,7 @@
         </p:nvSpPr>
         <p:spPr>
           <a:xfrm>
-            <a:off x="5528880" y="2406239"/>
+            <a:off x="5053008" y="2396880"/>
             <a:ext cx="1371600" cy="1143000"/>
           </a:xfrm>
           <a:prstGeom prst="roundRect">
@@ -2905,16 +2905,23 @@
                 </a:solidFill>
                 <a:latin typeface="Calibri"/>
               </a:rPr>
-              <a:t>CINEMA</a:t>
+              <a:t>HDF5</a:t>
             </a:r>
+          </a:p>
+          <a:p>
+            <a:pPr algn="ctr">
+              <a:lnSpc>
+                <a:spcPct val="100000"/>
+              </a:lnSpc>
+            </a:pPr>
             <a:r>
-              <a:rPr lang="en-US" sz="1800" b="0" strike="noStrike" spc="-1" dirty="0">
+              <a:rPr lang="en-US" b="1" spc="-1" dirty="0">
                 <a:solidFill>
                   <a:srgbClr val="FFFFFF"/>
                 </a:solidFill>
                 <a:latin typeface="Calibri"/>
               </a:rPr>
-              <a:t> DB on disk</a:t>
+              <a:t>Float data</a:t>
             </a:r>
             <a:endParaRPr lang="en-US" sz="1800" b="0" strike="noStrike" spc="-1" dirty="0">
               <a:latin typeface="Arial"/>
@@ -2936,7 +2943,7 @@
         </p:nvSpPr>
         <p:spPr>
           <a:xfrm>
-            <a:off x="9445740" y="2396880"/>
+            <a:off x="10570560" y="2396880"/>
             <a:ext cx="1371600" cy="1143000"/>
           </a:xfrm>
           <a:prstGeom prst="rect">
@@ -3001,12 +3008,137 @@
           </a:p>
         </p:txBody>
       </p:sp>
+      <p:sp>
+        <p:nvSpPr>
+          <p:cNvPr id="16" name="CustomShape 2">
+            <a:extLst>
+              <a:ext uri="{FF2B5EF4-FFF2-40B4-BE49-F238E27FC236}">
+                <a16:creationId xmlns:a16="http://schemas.microsoft.com/office/drawing/2014/main" id="{EB73A190-CC64-3841-92C7-496166AE29F4}"/>
+              </a:ext>
+            </a:extLst>
+          </p:cNvPr>
+          <p:cNvSpPr/>
+          <p:nvPr/>
+        </p:nvSpPr>
+        <p:spPr>
+          <a:xfrm>
+            <a:off x="7956336" y="2756161"/>
+            <a:ext cx="709920" cy="437400"/>
+          </a:xfrm>
+          <a:prstGeom prst="rightArrow">
+            <a:avLst>
+              <a:gd name="adj1" fmla="val 50000"/>
+              <a:gd name="adj2" fmla="val 50000"/>
+            </a:avLst>
+          </a:prstGeom>
+          <a:solidFill>
+            <a:schemeClr val="bg1"/>
+          </a:solidFill>
+          <a:ln>
+            <a:solidFill>
+              <a:schemeClr val="tx1"/>
+            </a:solidFill>
+          </a:ln>
+        </p:spPr>
+        <p:style>
+          <a:lnRef idx="2">
+            <a:schemeClr val="accent1">
+              <a:shade val="50000"/>
+            </a:schemeClr>
+          </a:lnRef>
+          <a:fillRef idx="1">
+            <a:schemeClr val="accent1"/>
+          </a:fillRef>
+          <a:effectRef idx="0">
+            <a:schemeClr val="accent1"/>
+          </a:effectRef>
+          <a:fontRef idx="minor"/>
+        </p:style>
+      </p:sp>
+      <p:sp>
+        <p:nvSpPr>
+          <p:cNvPr id="17" name="CustomShape 7">
+            <a:extLst>
+              <a:ext uri="{FF2B5EF4-FFF2-40B4-BE49-F238E27FC236}">
+                <a16:creationId xmlns:a16="http://schemas.microsoft.com/office/drawing/2014/main" id="{AA3707FF-8F10-FE4F-A7FF-9780FEFBC269}"/>
+              </a:ext>
+            </a:extLst>
+          </p:cNvPr>
+          <p:cNvSpPr/>
+          <p:nvPr/>
+        </p:nvSpPr>
+        <p:spPr>
+          <a:xfrm>
+            <a:off x="6892368" y="2387521"/>
+            <a:ext cx="1371600" cy="1143000"/>
+          </a:xfrm>
+          <a:prstGeom prst="roundRect">
+            <a:avLst>
+              <a:gd name="adj" fmla="val 16667"/>
+            </a:avLst>
+          </a:prstGeom>
+          <a:ln/>
+        </p:spPr>
+        <p:style>
+          <a:lnRef idx="2">
+            <a:schemeClr val="accent1">
+              <a:shade val="50000"/>
+            </a:schemeClr>
+          </a:lnRef>
+          <a:fillRef idx="1">
+            <a:schemeClr val="accent1"/>
+          </a:fillRef>
+          <a:effectRef idx="0">
+            <a:schemeClr val="accent1"/>
+          </a:effectRef>
+          <a:fontRef idx="minor"/>
+        </p:style>
+        <p:txBody>
+          <a:bodyPr lIns="90000" tIns="45000" rIns="90000" bIns="45000" anchor="ctr"/>
+          <a:lstStyle/>
+          <a:p>
+            <a:pPr algn="ctr">
+              <a:lnSpc>
+                <a:spcPct val="100000"/>
+              </a:lnSpc>
+            </a:pPr>
+            <a:r>
+              <a:rPr lang="en-US" sz="1800" b="1" strike="noStrike" spc="-1" dirty="0">
+                <a:solidFill>
+                  <a:srgbClr val="FFFFFF"/>
+                </a:solidFill>
+                <a:latin typeface="Calibri"/>
+              </a:rPr>
+              <a:t>Convert</a:t>
+            </a:r>
+          </a:p>
+          <a:p>
+            <a:pPr algn="ctr">
+              <a:lnSpc>
+                <a:spcPct val="100000"/>
+              </a:lnSpc>
+            </a:pPr>
+            <a:r>
+              <a:rPr lang="en-US" b="1" spc="-1" dirty="0">
+                <a:solidFill>
+                  <a:srgbClr val="FFFFFF"/>
+                </a:solidFill>
+                <a:latin typeface="Calibri"/>
+              </a:rPr>
+              <a:t>To Cinema CIS DB</a:t>
+            </a:r>
+            <a:endParaRPr lang="en-US" sz="1800" b="0" strike="noStrike" spc="-1" dirty="0">
+              <a:latin typeface="Arial"/>
+            </a:endParaRPr>
+          </a:p>
+        </p:txBody>
+      </p:sp>
       <p:pic>
         <p:nvPicPr>
-          <p:cNvPr id="3" name="Picture 2">
+          <p:cNvPr id="6" name="Picture 5">
             <a:extLst>
               <a:ext uri="{FF2B5EF4-FFF2-40B4-BE49-F238E27FC236}">
-                <a16:creationId xmlns:a16="http://schemas.microsoft.com/office/drawing/2014/main" id="{7C6CA28F-FD93-8D49-A2ED-FE46218548DC}"/>
+                <a16:creationId xmlns:a16="http://schemas.microsoft.com/office/drawing/2014/main" id="{4D304EB7-25C6-9049-BE35-3A78E99D2400}"/>
               </a:ext>
             </a:extLst>
           </p:cNvPr>
@@ -3029,13 +3161,13 @@
         </p:blipFill>
         <p:spPr>
           <a:xfrm>
-            <a:off x="7368240" y="2396880"/>
-            <a:ext cx="1524000" cy="1117600"/>
-          </a:xfrm>
-          <a:prstGeom prst="rect">
-            <a:avLst/>
-          </a:prstGeom>
-          <a:ln>
+            <a:off x="8657606" y="2228602"/>
+            <a:ext cx="1320800" cy="1524000"/>
+          </a:xfrm>
+          <a:prstGeom prst="rect">
+            <a:avLst/>
+          </a:prstGeom>
+          <a:ln w="25400">
             <a:solidFill>
               <a:schemeClr val="tx1"/>
             </a:solidFill>

--- a/doc/img/diagram.pptx
+++ b/doc/img/diagram.pptx
@@ -197,7 +197,7 @@
           <a:p>
             <a:fld id="{3643305F-3A43-FD4B-9534-CDDF7C037015}" type="datetimeFigureOut">
               <a:rPr lang="en-US" smtClean="0"/>
-              <a:t>6/16/21</a:t>
+              <a:t>6/17/21</a:t>
             </a:fld>
             <a:endParaRPr lang="en-US"/>
           </a:p>
@@ -2066,7 +2066,7 @@
                 </a:solidFill>
                 <a:latin typeface="Calibri"/>
               </a:rPr>
-              <a:t>6/16/21</a:t>
+              <a:t>6/17/21</a:t>
             </a:fld>
             <a:endParaRPr lang="en-US" sz="1200" b="0" strike="noStrike" spc="-1">
               <a:latin typeface="Times New Roman"/>
@@ -3135,10 +3135,10 @@
       </p:sp>
       <p:pic>
         <p:nvPicPr>
-          <p:cNvPr id="6" name="Picture 5">
+          <p:cNvPr id="3" name="Picture 2">
             <a:extLst>
               <a:ext uri="{FF2B5EF4-FFF2-40B4-BE49-F238E27FC236}">
-                <a16:creationId xmlns:a16="http://schemas.microsoft.com/office/drawing/2014/main" id="{4D304EB7-25C6-9049-BE35-3A78E99D2400}"/>
+                <a16:creationId xmlns:a16="http://schemas.microsoft.com/office/drawing/2014/main" id="{9AD13B8E-46E5-F34E-B01D-5E411B5F318E}"/>
               </a:ext>
             </a:extLst>
           </p:cNvPr>
@@ -3161,13 +3161,13 @@
         </p:blipFill>
         <p:spPr>
           <a:xfrm>
-            <a:off x="8657606" y="2228602"/>
-            <a:ext cx="1320800" cy="1524000"/>
-          </a:xfrm>
-          <a:prstGeom prst="rect">
-            <a:avLst/>
-          </a:prstGeom>
-          <a:ln w="25400">
+            <a:off x="8582936" y="2137718"/>
+            <a:ext cx="1600363" cy="1900026"/>
+          </a:xfrm>
+          <a:prstGeom prst="rect">
+            <a:avLst/>
+          </a:prstGeom>
+          <a:ln w="12700">
             <a:solidFill>
               <a:schemeClr val="tx1"/>
             </a:solidFill>
